--- a/презентация.pptx
+++ b/презентация.pptx
@@ -9,7 +9,8 @@
     <p:sldId id="257" r:id="rId3"/>
     <p:sldId id="258" r:id="rId4"/>
     <p:sldId id="259" r:id="rId5"/>
-    <p:sldId id="260" r:id="rId6"/>
+    <p:sldId id="261" r:id="rId6"/>
+    <p:sldId id="260" r:id="rId7"/>
   </p:sldIdLst>
   <p:sldSz cx="12192000" cy="6858000"/>
   <p:notesSz cx="6858000" cy="9144000"/>
@@ -108,6 +109,11 @@
       </a:defRPr>
     </a:lvl9pPr>
   </p:defaultTextStyle>
+  <p:extLst>
+    <p:ext uri="{EFAFB233-063F-42B5-8137-9DF3F51BA10A}">
+      <p15:sldGuideLst xmlns:p15="http://schemas.microsoft.com/office/powerpoint/2012/main"/>
+    </p:ext>
+  </p:extLst>
 </p:presentation>
 </file>
 
@@ -6310,6 +6316,207 @@
           <a:p>
             <a:r>
               <a:rPr lang="ru-RU" dirty="0" smtClean="0"/>
+              <a:t>Структура проекта</a:t>
+            </a:r>
+            <a:endParaRPr lang="ru-RU" dirty="0"/>
+          </a:p>
+        </p:txBody>
+      </p:sp>
+      <p:sp>
+        <p:nvSpPr>
+          <p:cNvPr id="3" name="Объект 2"/>
+          <p:cNvSpPr>
+            <a:spLocks noGrp="1"/>
+          </p:cNvSpPr>
+          <p:nvPr>
+            <p:ph idx="1"/>
+          </p:nvPr>
+        </p:nvSpPr>
+        <p:spPr/>
+        <p:txBody>
+          <a:bodyPr/>
+          <a:lstStyle/>
+          <a:p>
+            <a:pPr lvl="0">
+              <a:lnSpc>
+                <a:spcPct val="200000"/>
+              </a:lnSpc>
+            </a:pPr>
+            <a:r>
+              <a:rPr lang="ru-RU" dirty="0"/>
+              <a:t>Основной функционал – </a:t>
+            </a:r>
+            <a:r>
+              <a:rPr lang="en-US" dirty="0"/>
+              <a:t>web</a:t>
+            </a:r>
+            <a:r>
+              <a:rPr lang="ru-RU" dirty="0"/>
+              <a:t>-приложение, обрабатывающее запросы, пользователь.</a:t>
+            </a:r>
+          </a:p>
+          <a:p>
+            <a:pPr lvl="0">
+              <a:lnSpc>
+                <a:spcPct val="200000"/>
+              </a:lnSpc>
+            </a:pPr>
+            <a:r>
+              <a:rPr lang="ru-RU" dirty="0"/>
+              <a:t>Классы форм (</a:t>
+            </a:r>
+            <a:r>
+              <a:rPr lang="en-US" dirty="0" err="1"/>
+              <a:t>groupForm</a:t>
+            </a:r>
+            <a:r>
+              <a:rPr lang="ru-RU" dirty="0"/>
+              <a:t>, </a:t>
+            </a:r>
+            <a:r>
+              <a:rPr lang="en-US" dirty="0" err="1"/>
+              <a:t>loginForm</a:t>
+            </a:r>
+            <a:r>
+              <a:rPr lang="ru-RU" dirty="0"/>
+              <a:t>, </a:t>
+            </a:r>
+            <a:r>
+              <a:rPr lang="en-US" dirty="0" err="1"/>
+              <a:t>registerForm</a:t>
+            </a:r>
+            <a:r>
+              <a:rPr lang="ru-RU" dirty="0"/>
+              <a:t>, </a:t>
+            </a:r>
+            <a:r>
+              <a:rPr lang="en-US" dirty="0" err="1"/>
+              <a:t>taskForm</a:t>
+            </a:r>
+            <a:r>
+              <a:rPr lang="ru-RU" dirty="0"/>
+              <a:t>, </a:t>
+            </a:r>
+            <a:r>
+              <a:rPr lang="en-US" dirty="0" err="1"/>
+              <a:t>testForm</a:t>
+            </a:r>
+            <a:r>
+              <a:rPr lang="ru-RU" dirty="0"/>
+              <a:t>), используемых для ввода пользователем информации</a:t>
+            </a:r>
+          </a:p>
+          <a:p>
+            <a:pPr lvl="0">
+              <a:lnSpc>
+                <a:spcPct val="200000"/>
+              </a:lnSpc>
+            </a:pPr>
+            <a:r>
+              <a:rPr lang="ru-RU" dirty="0"/>
+              <a:t>Классы </a:t>
+            </a:r>
+            <a:r>
+              <a:rPr lang="en-US" dirty="0"/>
+              <a:t>ORM</a:t>
+            </a:r>
+            <a:r>
+              <a:rPr lang="ru-RU" dirty="0"/>
+              <a:t>-моделей (</a:t>
+            </a:r>
+            <a:r>
+              <a:rPr lang="en-US" dirty="0" err="1"/>
+              <a:t>GroupParticipants</a:t>
+            </a:r>
+            <a:r>
+              <a:rPr lang="ru-RU" dirty="0"/>
+              <a:t>, </a:t>
+            </a:r>
+            <a:r>
+              <a:rPr lang="en-US" dirty="0"/>
+              <a:t>Groups</a:t>
+            </a:r>
+            <a:r>
+              <a:rPr lang="ru-RU" dirty="0"/>
+              <a:t>, </a:t>
+            </a:r>
+            <a:r>
+              <a:rPr lang="en-US" dirty="0"/>
+              <a:t>Tests</a:t>
+            </a:r>
+            <a:r>
+              <a:rPr lang="ru-RU" dirty="0"/>
+              <a:t>, </a:t>
+            </a:r>
+            <a:r>
+              <a:rPr lang="en-US" dirty="0" err="1"/>
+              <a:t>TestsAndGroups</a:t>
+            </a:r>
+            <a:r>
+              <a:rPr lang="ru-RU" dirty="0"/>
+              <a:t>, </a:t>
+            </a:r>
+            <a:r>
+              <a:rPr lang="en-US" dirty="0"/>
+              <a:t>Users</a:t>
+            </a:r>
+            <a:r>
+              <a:rPr lang="ru-RU" dirty="0"/>
+              <a:t>), используемые для работы с БД</a:t>
+            </a:r>
+          </a:p>
+          <a:p>
+            <a:endParaRPr lang="ru-RU" dirty="0"/>
+          </a:p>
+        </p:txBody>
+      </p:sp>
+    </p:spTree>
+    <p:extLst>
+      <p:ext uri="{BB962C8B-B14F-4D97-AF65-F5344CB8AC3E}">
+        <p14:creationId xmlns:p14="http://schemas.microsoft.com/office/powerpoint/2010/main" val="3233726069"/>
+      </p:ext>
+    </p:extLst>
+  </p:cSld>
+  <p:clrMapOvr>
+    <a:masterClrMapping/>
+  </p:clrMapOvr>
+</p:sld>
+</file>
+
+<file path=ppt/slides/slide6.xml><?xml version="1.0" encoding="utf-8"?>
+<p:sld xmlns:a="http://schemas.openxmlformats.org/drawingml/2006/main" xmlns:r="http://schemas.openxmlformats.org/officeDocument/2006/relationships" xmlns:p="http://schemas.openxmlformats.org/presentationml/2006/main">
+  <p:cSld>
+    <p:spTree>
+      <p:nvGrpSpPr>
+        <p:cNvPr id="1" name=""/>
+        <p:cNvGrpSpPr/>
+        <p:nvPr/>
+      </p:nvGrpSpPr>
+      <p:grpSpPr>
+        <a:xfrm>
+          <a:off x="0" y="0"/>
+          <a:ext cx="0" cy="0"/>
+          <a:chOff x="0" y="0"/>
+          <a:chExt cx="0" cy="0"/>
+        </a:xfrm>
+      </p:grpSpPr>
+      <p:sp>
+        <p:nvSpPr>
+          <p:cNvPr id="2" name="Заголовок 1"/>
+          <p:cNvSpPr>
+            <a:spLocks noGrp="1"/>
+          </p:cNvSpPr>
+          <p:nvPr>
+            <p:ph type="title"/>
+          </p:nvPr>
+        </p:nvSpPr>
+        <p:spPr/>
+        <p:txBody>
+          <a:bodyPr/>
+          <a:lstStyle/>
+          <a:p>
+            <a:r>
+              <a:rPr lang="ru-RU" dirty="0" smtClean="0"/>
               <a:t>Скриншоты</a:t>
             </a:r>
             <a:endParaRPr lang="ru-RU" dirty="0"/>

--- a/презентация.pptx
+++ b/презентация.pptx
@@ -10,7 +10,9 @@
     <p:sldId id="258" r:id="rId4"/>
     <p:sldId id="259" r:id="rId5"/>
     <p:sldId id="261" r:id="rId6"/>
-    <p:sldId id="260" r:id="rId7"/>
+    <p:sldId id="263" r:id="rId7"/>
+    <p:sldId id="262" r:id="rId8"/>
+    <p:sldId id="260" r:id="rId9"/>
   </p:sldIdLst>
   <p:sldSz cx="12192000" cy="6858000"/>
   <p:notesSz cx="6858000" cy="9144000"/>
@@ -695,7 +697,7 @@
           </a:lstStyle>
           <a:p>
             <a:r>
-              <a:rPr lang="ru-RU" smtClean="0"/>
+              <a:rPr lang="ru-RU"/>
               <a:t>Образец заголовка</a:t>
             </a:r>
             <a:endParaRPr lang="en-US" dirty="0"/>
@@ -815,7 +817,7 @@
           </a:lstStyle>
           <a:p>
             <a:r>
-              <a:rPr lang="ru-RU" smtClean="0"/>
+              <a:rPr lang="ru-RU"/>
               <a:t>Образец подзаголовка</a:t>
             </a:r>
             <a:endParaRPr lang="en-US" dirty="0"/>
@@ -839,7 +841,7 @@
           <a:p>
             <a:fld id="{E17CC821-9A30-440E-A4AB-888798BA6BE3}" type="datetimeFigureOut">
               <a:rPr lang="ru-RU" smtClean="0"/>
-              <a:t>11.04.2022</a:t>
+              <a:t>21.04.2022</a:t>
             </a:fld>
             <a:endParaRPr lang="ru-RU"/>
           </a:p>
@@ -944,7 +946,7 @@
           </a:lstStyle>
           <a:p>
             <a:r>
-              <a:rPr lang="ru-RU" smtClean="0"/>
+              <a:rPr lang="ru-RU"/>
               <a:t>Образец заголовка</a:t>
             </a:r>
             <a:endParaRPr lang="en-US" dirty="0"/>
@@ -1067,7 +1069,7 @@
           <a:p>
             <a:pPr lvl="0"/>
             <a:r>
-              <a:rPr lang="ru-RU" smtClean="0"/>
+              <a:rPr lang="ru-RU"/>
               <a:t>Образец текста</a:t>
             </a:r>
           </a:p>
@@ -1090,7 +1092,7 @@
           <a:p>
             <a:fld id="{E17CC821-9A30-440E-A4AB-888798BA6BE3}" type="datetimeFigureOut">
               <a:rPr lang="ru-RU" smtClean="0"/>
-              <a:t>11.04.2022</a:t>
+              <a:t>21.04.2022</a:t>
             </a:fld>
             <a:endParaRPr lang="ru-RU"/>
           </a:p>
@@ -1195,7 +1197,7 @@
           </a:lstStyle>
           <a:p>
             <a:r>
-              <a:rPr lang="ru-RU" smtClean="0"/>
+              <a:rPr lang="ru-RU"/>
               <a:t>Образец заголовка</a:t>
             </a:r>
             <a:endParaRPr lang="en-US" dirty="0"/>
@@ -1259,7 +1261,7 @@
           <a:p>
             <a:pPr lvl="0"/>
             <a:r>
-              <a:rPr lang="ru-RU" smtClean="0"/>
+              <a:rPr lang="ru-RU"/>
               <a:t>Образец текста</a:t>
             </a:r>
           </a:p>
@@ -1381,7 +1383,7 @@
           <a:p>
             <a:pPr lvl="0"/>
             <a:r>
-              <a:rPr lang="ru-RU" smtClean="0"/>
+              <a:rPr lang="ru-RU"/>
               <a:t>Образец текста</a:t>
             </a:r>
           </a:p>
@@ -1404,7 +1406,7 @@
           <a:p>
             <a:fld id="{E17CC821-9A30-440E-A4AB-888798BA6BE3}" type="datetimeFigureOut">
               <a:rPr lang="ru-RU" smtClean="0"/>
-              <a:t>11.04.2022</a:t>
+              <a:t>21.04.2022</a:t>
             </a:fld>
             <a:endParaRPr lang="ru-RU"/>
           </a:p>
@@ -1599,7 +1601,7 @@
           </a:lstStyle>
           <a:p>
             <a:r>
-              <a:rPr lang="ru-RU" smtClean="0"/>
+              <a:rPr lang="ru-RU"/>
               <a:t>Образец заголовка</a:t>
             </a:r>
             <a:endParaRPr lang="en-US" dirty="0"/>
@@ -1722,7 +1724,7 @@
           <a:p>
             <a:pPr lvl="0"/>
             <a:r>
-              <a:rPr lang="ru-RU" smtClean="0"/>
+              <a:rPr lang="ru-RU"/>
               <a:t>Образец текста</a:t>
             </a:r>
           </a:p>
@@ -1745,7 +1747,7 @@
           <a:p>
             <a:fld id="{E17CC821-9A30-440E-A4AB-888798BA6BE3}" type="datetimeFigureOut">
               <a:rPr lang="ru-RU" smtClean="0"/>
-              <a:t>11.04.2022</a:t>
+              <a:t>21.04.2022</a:t>
             </a:fld>
             <a:endParaRPr lang="ru-RU"/>
           </a:p>
@@ -1850,7 +1852,7 @@
           </a:lstStyle>
           <a:p>
             <a:r>
-              <a:rPr lang="ru-RU" smtClean="0"/>
+              <a:rPr lang="ru-RU"/>
               <a:t>Образец заголовка</a:t>
             </a:r>
             <a:endParaRPr lang="en-US" dirty="0"/>
@@ -1914,7 +1916,7 @@
           <a:p>
             <a:pPr lvl="0"/>
             <a:r>
-              <a:rPr lang="ru-RU" smtClean="0"/>
+              <a:rPr lang="ru-RU"/>
               <a:t>Образец текста</a:t>
             </a:r>
           </a:p>
@@ -2036,7 +2038,7 @@
           <a:p>
             <a:pPr lvl="0"/>
             <a:r>
-              <a:rPr lang="ru-RU" smtClean="0"/>
+              <a:rPr lang="ru-RU"/>
               <a:t>Образец текста</a:t>
             </a:r>
           </a:p>
@@ -2059,7 +2061,7 @@
           <a:p>
             <a:fld id="{E17CC821-9A30-440E-A4AB-888798BA6BE3}" type="datetimeFigureOut">
               <a:rPr lang="ru-RU" smtClean="0"/>
-              <a:t>11.04.2022</a:t>
+              <a:t>21.04.2022</a:t>
             </a:fld>
             <a:endParaRPr lang="ru-RU"/>
           </a:p>
@@ -2246,7 +2248,7 @@
           </a:lstStyle>
           <a:p>
             <a:r>
-              <a:rPr lang="ru-RU" smtClean="0"/>
+              <a:rPr lang="ru-RU"/>
               <a:t>Образец заголовка</a:t>
             </a:r>
             <a:endParaRPr lang="en-US" dirty="0"/>
@@ -2307,7 +2309,7 @@
           <a:p>
             <a:pPr lvl="0"/>
             <a:r>
-              <a:rPr lang="ru-RU" smtClean="0"/>
+              <a:rPr lang="ru-RU"/>
               <a:t>Образец текста</a:t>
             </a:r>
           </a:p>
@@ -2429,7 +2431,7 @@
           <a:p>
             <a:pPr lvl="0"/>
             <a:r>
-              <a:rPr lang="ru-RU" smtClean="0"/>
+              <a:rPr lang="ru-RU"/>
               <a:t>Образец текста</a:t>
             </a:r>
           </a:p>
@@ -2452,7 +2454,7 @@
           <a:p>
             <a:fld id="{E17CC821-9A30-440E-A4AB-888798BA6BE3}" type="datetimeFigureOut">
               <a:rPr lang="ru-RU" smtClean="0"/>
-              <a:t>11.04.2022</a:t>
+              <a:t>21.04.2022</a:t>
             </a:fld>
             <a:endParaRPr lang="ru-RU"/>
           </a:p>
@@ -2546,7 +2548,7 @@
           <a:lstStyle/>
           <a:p>
             <a:r>
-              <a:rPr lang="ru-RU" smtClean="0"/>
+              <a:rPr lang="ru-RU"/>
               <a:t>Образец заголовка</a:t>
             </a:r>
             <a:endParaRPr lang="en-US" dirty="0"/>
@@ -2570,35 +2572,35 @@
           <a:p>
             <a:pPr lvl="0"/>
             <a:r>
-              <a:rPr lang="ru-RU" smtClean="0"/>
+              <a:rPr lang="ru-RU"/>
               <a:t>Образец текста</a:t>
             </a:r>
           </a:p>
           <a:p>
             <a:pPr lvl="1"/>
             <a:r>
-              <a:rPr lang="ru-RU" smtClean="0"/>
+              <a:rPr lang="ru-RU"/>
               <a:t>Второй уровень</a:t>
             </a:r>
           </a:p>
           <a:p>
             <a:pPr lvl="2"/>
             <a:r>
-              <a:rPr lang="ru-RU" smtClean="0"/>
+              <a:rPr lang="ru-RU"/>
               <a:t>Третий уровень</a:t>
             </a:r>
           </a:p>
           <a:p>
             <a:pPr lvl="3"/>
             <a:r>
-              <a:rPr lang="ru-RU" smtClean="0"/>
+              <a:rPr lang="ru-RU"/>
               <a:t>Четвертый уровень</a:t>
             </a:r>
           </a:p>
           <a:p>
             <a:pPr lvl="4"/>
             <a:r>
-              <a:rPr lang="ru-RU" smtClean="0"/>
+              <a:rPr lang="ru-RU"/>
               <a:t>Пятый уровень</a:t>
             </a:r>
             <a:endParaRPr lang="en-US" dirty="0"/>
@@ -2622,7 +2624,7 @@
           <a:p>
             <a:fld id="{E17CC821-9A30-440E-A4AB-888798BA6BE3}" type="datetimeFigureOut">
               <a:rPr lang="ru-RU" smtClean="0"/>
-              <a:t>11.04.2022</a:t>
+              <a:t>21.04.2022</a:t>
             </a:fld>
             <a:endParaRPr lang="ru-RU"/>
           </a:p>
@@ -2721,7 +2723,7 @@
           <a:lstStyle/>
           <a:p>
             <a:r>
-              <a:rPr lang="ru-RU" smtClean="0"/>
+              <a:rPr lang="ru-RU"/>
               <a:t>Образец заголовка</a:t>
             </a:r>
             <a:endParaRPr lang="en-US" dirty="0"/>
@@ -2750,35 +2752,35 @@
           <a:p>
             <a:pPr lvl="0"/>
             <a:r>
-              <a:rPr lang="ru-RU" smtClean="0"/>
+              <a:rPr lang="ru-RU"/>
               <a:t>Образец текста</a:t>
             </a:r>
           </a:p>
           <a:p>
             <a:pPr lvl="1"/>
             <a:r>
-              <a:rPr lang="ru-RU" smtClean="0"/>
+              <a:rPr lang="ru-RU"/>
               <a:t>Второй уровень</a:t>
             </a:r>
           </a:p>
           <a:p>
             <a:pPr lvl="2"/>
             <a:r>
-              <a:rPr lang="ru-RU" smtClean="0"/>
+              <a:rPr lang="ru-RU"/>
               <a:t>Третий уровень</a:t>
             </a:r>
           </a:p>
           <a:p>
             <a:pPr lvl="3"/>
             <a:r>
-              <a:rPr lang="ru-RU" smtClean="0"/>
+              <a:rPr lang="ru-RU"/>
               <a:t>Четвертый уровень</a:t>
             </a:r>
           </a:p>
           <a:p>
             <a:pPr lvl="4"/>
             <a:r>
-              <a:rPr lang="ru-RU" smtClean="0"/>
+              <a:rPr lang="ru-RU"/>
               <a:t>Пятый уровень</a:t>
             </a:r>
             <a:endParaRPr lang="en-US" dirty="0"/>
@@ -2802,7 +2804,7 @@
           <a:p>
             <a:fld id="{E17CC821-9A30-440E-A4AB-888798BA6BE3}" type="datetimeFigureOut">
               <a:rPr lang="ru-RU" smtClean="0"/>
-              <a:t>11.04.2022</a:t>
+              <a:t>21.04.2022</a:t>
             </a:fld>
             <a:endParaRPr lang="ru-RU"/>
           </a:p>
@@ -2902,7 +2904,7 @@
           </a:lstStyle>
           <a:p>
             <a:r>
-              <a:rPr lang="ru-RU" smtClean="0"/>
+              <a:rPr lang="ru-RU"/>
               <a:t>Образец заголовка</a:t>
             </a:r>
             <a:endParaRPr lang="en-US" dirty="0"/>
@@ -2926,35 +2928,35 @@
           <a:p>
             <a:pPr lvl="0"/>
             <a:r>
-              <a:rPr lang="ru-RU" smtClean="0"/>
+              <a:rPr lang="ru-RU"/>
               <a:t>Образец текста</a:t>
             </a:r>
           </a:p>
           <a:p>
             <a:pPr lvl="1"/>
             <a:r>
-              <a:rPr lang="ru-RU" smtClean="0"/>
+              <a:rPr lang="ru-RU"/>
               <a:t>Второй уровень</a:t>
             </a:r>
           </a:p>
           <a:p>
             <a:pPr lvl="2"/>
             <a:r>
-              <a:rPr lang="ru-RU" smtClean="0"/>
+              <a:rPr lang="ru-RU"/>
               <a:t>Третий уровень</a:t>
             </a:r>
           </a:p>
           <a:p>
             <a:pPr lvl="3"/>
             <a:r>
-              <a:rPr lang="ru-RU" smtClean="0"/>
+              <a:rPr lang="ru-RU"/>
               <a:t>Четвертый уровень</a:t>
             </a:r>
           </a:p>
           <a:p>
             <a:pPr lvl="4"/>
             <a:r>
-              <a:rPr lang="ru-RU" smtClean="0"/>
+              <a:rPr lang="ru-RU"/>
               <a:t>Пятый уровень</a:t>
             </a:r>
             <a:endParaRPr lang="en-US" dirty="0"/>
@@ -2978,7 +2980,7 @@
           <a:p>
             <a:fld id="{E17CC821-9A30-440E-A4AB-888798BA6BE3}" type="datetimeFigureOut">
               <a:rPr lang="ru-RU" smtClean="0"/>
-              <a:t>11.04.2022</a:t>
+              <a:t>21.04.2022</a:t>
             </a:fld>
             <a:endParaRPr lang="ru-RU"/>
           </a:p>
@@ -3081,7 +3083,7 @@
           </a:lstStyle>
           <a:p>
             <a:r>
-              <a:rPr lang="ru-RU" smtClean="0"/>
+              <a:rPr lang="ru-RU"/>
               <a:t>Образец заголовка</a:t>
             </a:r>
             <a:endParaRPr lang="en-US" dirty="0"/>
@@ -3202,7 +3204,7 @@
           <a:p>
             <a:pPr lvl="0"/>
             <a:r>
-              <a:rPr lang="ru-RU" smtClean="0"/>
+              <a:rPr lang="ru-RU"/>
               <a:t>Образец текста</a:t>
             </a:r>
           </a:p>
@@ -3225,7 +3227,7 @@
           <a:p>
             <a:fld id="{E17CC821-9A30-440E-A4AB-888798BA6BE3}" type="datetimeFigureOut">
               <a:rPr lang="ru-RU" smtClean="0"/>
-              <a:t>11.04.2022</a:t>
+              <a:t>21.04.2022</a:t>
             </a:fld>
             <a:endParaRPr lang="ru-RU"/>
           </a:p>
@@ -3319,7 +3321,7 @@
           <a:lstStyle/>
           <a:p>
             <a:r>
-              <a:rPr lang="ru-RU" smtClean="0"/>
+              <a:rPr lang="ru-RU"/>
               <a:t>Образец заголовка</a:t>
             </a:r>
             <a:endParaRPr lang="en-US" dirty="0"/>
@@ -3348,35 +3350,35 @@
           <a:p>
             <a:pPr lvl="0"/>
             <a:r>
-              <a:rPr lang="ru-RU" smtClean="0"/>
+              <a:rPr lang="ru-RU"/>
               <a:t>Образец текста</a:t>
             </a:r>
           </a:p>
           <a:p>
             <a:pPr lvl="1"/>
             <a:r>
-              <a:rPr lang="ru-RU" smtClean="0"/>
+              <a:rPr lang="ru-RU"/>
               <a:t>Второй уровень</a:t>
             </a:r>
           </a:p>
           <a:p>
             <a:pPr lvl="2"/>
             <a:r>
-              <a:rPr lang="ru-RU" smtClean="0"/>
+              <a:rPr lang="ru-RU"/>
               <a:t>Третий уровень</a:t>
             </a:r>
           </a:p>
           <a:p>
             <a:pPr lvl="3"/>
             <a:r>
-              <a:rPr lang="ru-RU" smtClean="0"/>
+              <a:rPr lang="ru-RU"/>
               <a:t>Четвертый уровень</a:t>
             </a:r>
           </a:p>
           <a:p>
             <a:pPr lvl="4"/>
             <a:r>
-              <a:rPr lang="ru-RU" smtClean="0"/>
+              <a:rPr lang="ru-RU"/>
               <a:t>Пятый уровень</a:t>
             </a:r>
             <a:endParaRPr lang="en-US" dirty="0"/>
@@ -3405,35 +3407,35 @@
           <a:p>
             <a:pPr lvl="0"/>
             <a:r>
-              <a:rPr lang="ru-RU" smtClean="0"/>
+              <a:rPr lang="ru-RU"/>
               <a:t>Образец текста</a:t>
             </a:r>
           </a:p>
           <a:p>
             <a:pPr lvl="1"/>
             <a:r>
-              <a:rPr lang="ru-RU" smtClean="0"/>
+              <a:rPr lang="ru-RU"/>
               <a:t>Второй уровень</a:t>
             </a:r>
           </a:p>
           <a:p>
             <a:pPr lvl="2"/>
             <a:r>
-              <a:rPr lang="ru-RU" smtClean="0"/>
+              <a:rPr lang="ru-RU"/>
               <a:t>Третий уровень</a:t>
             </a:r>
           </a:p>
           <a:p>
             <a:pPr lvl="3"/>
             <a:r>
-              <a:rPr lang="ru-RU" smtClean="0"/>
+              <a:rPr lang="ru-RU"/>
               <a:t>Четвертый уровень</a:t>
             </a:r>
           </a:p>
           <a:p>
             <a:pPr lvl="4"/>
             <a:r>
-              <a:rPr lang="ru-RU" smtClean="0"/>
+              <a:rPr lang="ru-RU"/>
               <a:t>Пятый уровень</a:t>
             </a:r>
             <a:endParaRPr lang="en-US" dirty="0"/>
@@ -3457,7 +3459,7 @@
           <a:p>
             <a:fld id="{E17CC821-9A30-440E-A4AB-888798BA6BE3}" type="datetimeFigureOut">
               <a:rPr lang="ru-RU" smtClean="0"/>
-              <a:t>11.04.2022</a:t>
+              <a:t>21.04.2022</a:t>
             </a:fld>
             <a:endParaRPr lang="ru-RU"/>
           </a:p>
@@ -3555,7 +3557,7 @@
           </a:lstStyle>
           <a:p>
             <a:r>
-              <a:rPr lang="ru-RU" smtClean="0"/>
+              <a:rPr lang="ru-RU"/>
               <a:t>Образец заголовка</a:t>
             </a:r>
             <a:endParaRPr lang="en-US" dirty="0"/>
@@ -3623,7 +3625,7 @@
           <a:p>
             <a:pPr lvl="0"/>
             <a:r>
-              <a:rPr lang="ru-RU" smtClean="0"/>
+              <a:rPr lang="ru-RU"/>
               <a:t>Образец текста</a:t>
             </a:r>
           </a:p>
@@ -3653,35 +3655,35 @@
           <a:p>
             <a:pPr lvl="0"/>
             <a:r>
-              <a:rPr lang="ru-RU" smtClean="0"/>
+              <a:rPr lang="ru-RU"/>
               <a:t>Образец текста</a:t>
             </a:r>
           </a:p>
           <a:p>
             <a:pPr lvl="1"/>
             <a:r>
-              <a:rPr lang="ru-RU" smtClean="0"/>
+              <a:rPr lang="ru-RU"/>
               <a:t>Второй уровень</a:t>
             </a:r>
           </a:p>
           <a:p>
             <a:pPr lvl="2"/>
             <a:r>
-              <a:rPr lang="ru-RU" smtClean="0"/>
+              <a:rPr lang="ru-RU"/>
               <a:t>Третий уровень</a:t>
             </a:r>
           </a:p>
           <a:p>
             <a:pPr lvl="3"/>
             <a:r>
-              <a:rPr lang="ru-RU" smtClean="0"/>
+              <a:rPr lang="ru-RU"/>
               <a:t>Четвертый уровень</a:t>
             </a:r>
           </a:p>
           <a:p>
             <a:pPr lvl="4"/>
             <a:r>
-              <a:rPr lang="ru-RU" smtClean="0"/>
+              <a:rPr lang="ru-RU"/>
               <a:t>Пятый уровень</a:t>
             </a:r>
             <a:endParaRPr lang="en-US" dirty="0"/>
@@ -3749,7 +3751,7 @@
           <a:p>
             <a:pPr lvl="0"/>
             <a:r>
-              <a:rPr lang="ru-RU" smtClean="0"/>
+              <a:rPr lang="ru-RU"/>
               <a:t>Образец текста</a:t>
             </a:r>
           </a:p>
@@ -3779,35 +3781,35 @@
           <a:p>
             <a:pPr lvl="0"/>
             <a:r>
-              <a:rPr lang="ru-RU" smtClean="0"/>
+              <a:rPr lang="ru-RU"/>
               <a:t>Образец текста</a:t>
             </a:r>
           </a:p>
           <a:p>
             <a:pPr lvl="1"/>
             <a:r>
-              <a:rPr lang="ru-RU" smtClean="0"/>
+              <a:rPr lang="ru-RU"/>
               <a:t>Второй уровень</a:t>
             </a:r>
           </a:p>
           <a:p>
             <a:pPr lvl="2"/>
             <a:r>
-              <a:rPr lang="ru-RU" smtClean="0"/>
+              <a:rPr lang="ru-RU"/>
               <a:t>Третий уровень</a:t>
             </a:r>
           </a:p>
           <a:p>
             <a:pPr lvl="3"/>
             <a:r>
-              <a:rPr lang="ru-RU" smtClean="0"/>
+              <a:rPr lang="ru-RU"/>
               <a:t>Четвертый уровень</a:t>
             </a:r>
           </a:p>
           <a:p>
             <a:pPr lvl="4"/>
             <a:r>
-              <a:rPr lang="ru-RU" smtClean="0"/>
+              <a:rPr lang="ru-RU"/>
               <a:t>Пятый уровень</a:t>
             </a:r>
             <a:endParaRPr lang="en-US" dirty="0"/>
@@ -3831,7 +3833,7 @@
           <a:p>
             <a:fld id="{E17CC821-9A30-440E-A4AB-888798BA6BE3}" type="datetimeFigureOut">
               <a:rPr lang="ru-RU" smtClean="0"/>
-              <a:t>11.04.2022</a:t>
+              <a:t>21.04.2022</a:t>
             </a:fld>
             <a:endParaRPr lang="ru-RU"/>
           </a:p>
@@ -3930,7 +3932,7 @@
           <a:lstStyle/>
           <a:p>
             <a:r>
-              <a:rPr lang="ru-RU" smtClean="0"/>
+              <a:rPr lang="ru-RU"/>
               <a:t>Образец заголовка</a:t>
             </a:r>
             <a:endParaRPr lang="en-US" dirty="0"/>
@@ -3954,7 +3956,7 @@
           <a:p>
             <a:fld id="{E17CC821-9A30-440E-A4AB-888798BA6BE3}" type="datetimeFigureOut">
               <a:rPr lang="ru-RU" smtClean="0"/>
-              <a:t>11.04.2022</a:t>
+              <a:t>21.04.2022</a:t>
             </a:fld>
             <a:endParaRPr lang="ru-RU"/>
           </a:p>
@@ -4049,7 +4051,7 @@
           <a:p>
             <a:fld id="{E17CC821-9A30-440E-A4AB-888798BA6BE3}" type="datetimeFigureOut">
               <a:rPr lang="ru-RU" smtClean="0"/>
-              <a:t>11.04.2022</a:t>
+              <a:t>21.04.2022</a:t>
             </a:fld>
             <a:endParaRPr lang="ru-RU"/>
           </a:p>
@@ -4154,7 +4156,7 @@
           </a:lstStyle>
           <a:p>
             <a:r>
-              <a:rPr lang="ru-RU" smtClean="0"/>
+              <a:rPr lang="ru-RU"/>
               <a:t>Образец заголовка</a:t>
             </a:r>
             <a:endParaRPr lang="en-US" dirty="0"/>
@@ -4185,35 +4187,35 @@
           <a:p>
             <a:pPr lvl="0"/>
             <a:r>
-              <a:rPr lang="ru-RU" smtClean="0"/>
+              <a:rPr lang="ru-RU"/>
               <a:t>Образец текста</a:t>
             </a:r>
           </a:p>
           <a:p>
             <a:pPr lvl="1"/>
             <a:r>
-              <a:rPr lang="ru-RU" smtClean="0"/>
+              <a:rPr lang="ru-RU"/>
               <a:t>Второй уровень</a:t>
             </a:r>
           </a:p>
           <a:p>
             <a:pPr lvl="2"/>
             <a:r>
-              <a:rPr lang="ru-RU" smtClean="0"/>
+              <a:rPr lang="ru-RU"/>
               <a:t>Третий уровень</a:t>
             </a:r>
           </a:p>
           <a:p>
             <a:pPr lvl="3"/>
             <a:r>
-              <a:rPr lang="ru-RU" smtClean="0"/>
+              <a:rPr lang="ru-RU"/>
               <a:t>Четвертый уровень</a:t>
             </a:r>
           </a:p>
           <a:p>
             <a:pPr lvl="4"/>
             <a:r>
-              <a:rPr lang="ru-RU" smtClean="0"/>
+              <a:rPr lang="ru-RU"/>
               <a:t>Пятый уровень</a:t>
             </a:r>
             <a:endParaRPr lang="en-US" dirty="0"/>
@@ -4281,7 +4283,7 @@
           <a:p>
             <a:pPr lvl="0"/>
             <a:r>
-              <a:rPr lang="ru-RU" smtClean="0"/>
+              <a:rPr lang="ru-RU"/>
               <a:t>Образец текста</a:t>
             </a:r>
           </a:p>
@@ -4304,7 +4306,7 @@
           <a:p>
             <a:fld id="{E17CC821-9A30-440E-A4AB-888798BA6BE3}" type="datetimeFigureOut">
               <a:rPr lang="ru-RU" smtClean="0"/>
-              <a:t>11.04.2022</a:t>
+              <a:t>21.04.2022</a:t>
             </a:fld>
             <a:endParaRPr lang="ru-RU"/>
           </a:p>
@@ -4409,7 +4411,7 @@
           </a:lstStyle>
           <a:p>
             <a:r>
-              <a:rPr lang="ru-RU" smtClean="0"/>
+              <a:rPr lang="ru-RU"/>
               <a:t>Образец заголовка</a:t>
             </a:r>
             <a:endParaRPr lang="en-US" dirty="0"/>
@@ -4476,7 +4478,7 @@
           </a:lstStyle>
           <a:p>
             <a:r>
-              <a:rPr lang="ru-RU" smtClean="0"/>
+              <a:rPr lang="ru-RU"/>
               <a:t>Вставка рисунка</a:t>
             </a:r>
             <a:endParaRPr lang="en-US" dirty="0"/>
@@ -4544,7 +4546,7 @@
           <a:p>
             <a:pPr lvl="0"/>
             <a:r>
-              <a:rPr lang="ru-RU" smtClean="0"/>
+              <a:rPr lang="ru-RU"/>
               <a:t>Образец текста</a:t>
             </a:r>
           </a:p>
@@ -4567,7 +4569,7 @@
           <a:p>
             <a:fld id="{E17CC821-9A30-440E-A4AB-888798BA6BE3}" type="datetimeFigureOut">
               <a:rPr lang="ru-RU" smtClean="0"/>
-              <a:t>11.04.2022</a:t>
+              <a:t>21.04.2022</a:t>
             </a:fld>
             <a:endParaRPr lang="ru-RU"/>
           </a:p>
@@ -5206,7 +5208,7 @@
           <a:lstStyle/>
           <a:p>
             <a:r>
-              <a:rPr lang="ru-RU" smtClean="0"/>
+              <a:rPr lang="ru-RU"/>
               <a:t>Образец заголовка</a:t>
             </a:r>
             <a:endParaRPr lang="en-US" dirty="0"/>
@@ -5240,35 +5242,35 @@
           <a:p>
             <a:pPr lvl="0"/>
             <a:r>
-              <a:rPr lang="ru-RU" smtClean="0"/>
+              <a:rPr lang="ru-RU"/>
               <a:t>Образец текста</a:t>
             </a:r>
           </a:p>
           <a:p>
             <a:pPr lvl="1"/>
             <a:r>
-              <a:rPr lang="ru-RU" smtClean="0"/>
+              <a:rPr lang="ru-RU"/>
               <a:t>Второй уровень</a:t>
             </a:r>
           </a:p>
           <a:p>
             <a:pPr lvl="2"/>
             <a:r>
-              <a:rPr lang="ru-RU" smtClean="0"/>
+              <a:rPr lang="ru-RU"/>
               <a:t>Третий уровень</a:t>
             </a:r>
           </a:p>
           <a:p>
             <a:pPr lvl="3"/>
             <a:r>
-              <a:rPr lang="ru-RU" smtClean="0"/>
+              <a:rPr lang="ru-RU"/>
               <a:t>Четвертый уровень</a:t>
             </a:r>
           </a:p>
           <a:p>
             <a:pPr lvl="4"/>
             <a:r>
-              <a:rPr lang="ru-RU" smtClean="0"/>
+              <a:rPr lang="ru-RU"/>
               <a:t>Пятый уровень</a:t>
             </a:r>
             <a:endParaRPr lang="en-US" dirty="0"/>
@@ -5310,7 +5312,7 @@
           <a:p>
             <a:fld id="{E17CC821-9A30-440E-A4AB-888798BA6BE3}" type="datetimeFigureOut">
               <a:rPr lang="ru-RU" smtClean="0"/>
-              <a:t>11.04.2022</a:t>
+              <a:t>21.04.2022</a:t>
             </a:fld>
             <a:endParaRPr lang="ru-RU"/>
           </a:p>
@@ -5850,10 +5852,9 @@
           <a:lstStyle/>
           <a:p>
             <a:r>
-              <a:rPr lang="ru-RU" dirty="0" smtClean="0"/>
+              <a:rPr lang="ru-RU" dirty="0"/>
               <a:t>Название</a:t>
             </a:r>
-            <a:endParaRPr lang="ru-RU" dirty="0"/>
           </a:p>
         </p:txBody>
       </p:sp>
@@ -5875,22 +5876,21 @@
           <a:lstStyle/>
           <a:p>
             <a:r>
-              <a:rPr lang="ru-RU" dirty="0" smtClean="0"/>
+              <a:rPr lang="ru-RU" dirty="0"/>
               <a:t>Выполнили</a:t>
             </a:r>
           </a:p>
           <a:p>
             <a:r>
-              <a:rPr lang="ru-RU" dirty="0" smtClean="0"/>
+              <a:rPr lang="ru-RU" dirty="0"/>
               <a:t>Чегодаева Таисия</a:t>
             </a:r>
           </a:p>
           <a:p>
             <a:r>
-              <a:rPr lang="ru-RU" dirty="0" smtClean="0"/>
+              <a:rPr lang="ru-RU" dirty="0"/>
               <a:t>Ваничев Евгений</a:t>
             </a:r>
-            <a:endParaRPr lang="ru-RU" dirty="0"/>
           </a:p>
         </p:txBody>
       </p:sp>
@@ -5940,10 +5940,9 @@
           <a:lstStyle/>
           <a:p>
             <a:r>
-              <a:rPr lang="ru-RU" dirty="0" smtClean="0"/>
+              <a:rPr lang="ru-RU" dirty="0"/>
               <a:t>Цель</a:t>
             </a:r>
-            <a:endParaRPr lang="ru-RU" dirty="0"/>
           </a:p>
         </p:txBody>
       </p:sp>
@@ -5970,7 +5969,7 @@
           <a:lstStyle/>
           <a:p>
             <a:r>
-              <a:rPr lang="ru-RU" sz="2400" dirty="0" smtClean="0"/>
+              <a:rPr lang="ru-RU" sz="2400" dirty="0"/>
               <a:t>Создать сервис, позволяющий учителю комфортно управлять работами, а ученику проходить эти работы с телефона</a:t>
             </a:r>
           </a:p>
@@ -6022,10 +6021,9 @@
           <a:lstStyle/>
           <a:p>
             <a:r>
-              <a:rPr lang="ru-RU" dirty="0" smtClean="0"/>
+              <a:rPr lang="ru-RU" dirty="0"/>
               <a:t>Задачи</a:t>
             </a:r>
-            <a:endParaRPr lang="ru-RU" dirty="0"/>
           </a:p>
         </p:txBody>
       </p:sp>
@@ -6050,7 +6048,7 @@
               </a:lnSpc>
             </a:pPr>
             <a:r>
-              <a:rPr lang="ru-RU" dirty="0" smtClean="0"/>
+              <a:rPr lang="ru-RU" dirty="0"/>
               <a:t>Создать сайт, на котором учитель смог бы создавать работы</a:t>
             </a:r>
           </a:p>
@@ -6061,11 +6059,11 @@
               </a:lnSpc>
             </a:pPr>
             <a:r>
-              <a:rPr lang="ru-RU" dirty="0" smtClean="0"/>
+              <a:rPr lang="ru-RU" dirty="0"/>
               <a:t>Создать возможность для ученика проходить тест при помощи ботов на различных платформах – </a:t>
             </a:r>
             <a:r>
-              <a:rPr lang="en-US" dirty="0" smtClean="0"/>
+              <a:rPr lang="en-US" dirty="0"/>
               <a:t>VK/Telegram/Discord</a:t>
             </a:r>
             <a:endParaRPr lang="ru-RU" dirty="0"/>
@@ -6118,10 +6116,9 @@
           <a:lstStyle/>
           <a:p>
             <a:r>
-              <a:rPr lang="ru-RU" dirty="0" smtClean="0"/>
+              <a:rPr lang="ru-RU" dirty="0"/>
               <a:t>Использованные технологии</a:t>
             </a:r>
-            <a:endParaRPr lang="ru-RU" dirty="0"/>
           </a:p>
         </p:txBody>
       </p:sp>
@@ -6315,10 +6312,9 @@
           <a:lstStyle/>
           <a:p>
             <a:r>
-              <a:rPr lang="ru-RU" dirty="0" smtClean="0"/>
+              <a:rPr lang="ru-RU" dirty="0"/>
               <a:t>Структура проекта</a:t>
             </a:r>
-            <a:endParaRPr lang="ru-RU" dirty="0"/>
           </a:p>
         </p:txBody>
       </p:sp>
@@ -6502,6 +6498,215 @@
       </p:grpSpPr>
       <p:sp>
         <p:nvSpPr>
+          <p:cNvPr id="2" name="Заголовок 1">
+            <a:extLst>
+              <a:ext uri="{FF2B5EF4-FFF2-40B4-BE49-F238E27FC236}">
+                <a16:creationId xmlns:a16="http://schemas.microsoft.com/office/drawing/2014/main" id="{DC0654E1-BE3C-4708-AC93-621B47E04706}"/>
+              </a:ext>
+            </a:extLst>
+          </p:cNvPr>
+          <p:cNvSpPr>
+            <a:spLocks noGrp="1"/>
+          </p:cNvSpPr>
+          <p:nvPr>
+            <p:ph type="title"/>
+          </p:nvPr>
+        </p:nvSpPr>
+        <p:spPr/>
+        <p:txBody>
+          <a:bodyPr/>
+          <a:lstStyle/>
+          <a:p>
+            <a:r>
+              <a:rPr lang="ru-RU" dirty="0"/>
+              <a:t>Идеи для доработки</a:t>
+            </a:r>
+          </a:p>
+        </p:txBody>
+      </p:sp>
+      <p:sp>
+        <p:nvSpPr>
+          <p:cNvPr id="3" name="Объект 2">
+            <a:extLst>
+              <a:ext uri="{FF2B5EF4-FFF2-40B4-BE49-F238E27FC236}">
+                <a16:creationId xmlns:a16="http://schemas.microsoft.com/office/drawing/2014/main" id="{139F5455-4DF3-4ACF-B26F-F3A6D4AF8504}"/>
+              </a:ext>
+            </a:extLst>
+          </p:cNvPr>
+          <p:cNvSpPr>
+            <a:spLocks noGrp="1"/>
+          </p:cNvSpPr>
+          <p:nvPr>
+            <p:ph idx="1"/>
+          </p:nvPr>
+        </p:nvSpPr>
+        <p:spPr/>
+        <p:txBody>
+          <a:bodyPr/>
+          <a:lstStyle/>
+          <a:p>
+            <a:pPr>
+              <a:lnSpc>
+                <a:spcPct val="200000"/>
+              </a:lnSpc>
+            </a:pPr>
+            <a:r>
+              <a:rPr lang="ru-RU" dirty="0"/>
+              <a:t>Реализовать кроссплатформенность – дать возможность ученику проходить тесты с разных платформ – в планах </a:t>
+            </a:r>
+            <a:r>
+              <a:rPr lang="en-US" dirty="0"/>
+              <a:t>telegram, discord </a:t>
+            </a:r>
+            <a:endParaRPr lang="ru-RU" dirty="0"/>
+          </a:p>
+          <a:p>
+            <a:pPr>
+              <a:lnSpc>
+                <a:spcPct val="200000"/>
+              </a:lnSpc>
+            </a:pPr>
+            <a:r>
+              <a:rPr lang="ru-RU" dirty="0"/>
+              <a:t>Сделать сайт и особенно бота более дружелюбными к пользователю</a:t>
+            </a:r>
+          </a:p>
+          <a:p>
+            <a:pPr>
+              <a:lnSpc>
+                <a:spcPct val="200000"/>
+              </a:lnSpc>
+            </a:pPr>
+            <a:r>
+              <a:rPr lang="ru-RU" dirty="0"/>
+              <a:t>Сделать возможность отправки заданий в виде архива на почту учителя</a:t>
+            </a:r>
+          </a:p>
+        </p:txBody>
+      </p:sp>
+    </p:spTree>
+    <p:extLst>
+      <p:ext uri="{BB962C8B-B14F-4D97-AF65-F5344CB8AC3E}">
+        <p14:creationId xmlns:p14="http://schemas.microsoft.com/office/powerpoint/2010/main" val="2394744266"/>
+      </p:ext>
+    </p:extLst>
+  </p:cSld>
+  <p:clrMapOvr>
+    <a:masterClrMapping/>
+  </p:clrMapOvr>
+</p:sld>
+</file>
+
+<file path=ppt/slides/slide7.xml><?xml version="1.0" encoding="utf-8"?>
+<p:sld xmlns:a="http://schemas.openxmlformats.org/drawingml/2006/main" xmlns:r="http://schemas.openxmlformats.org/officeDocument/2006/relationships" xmlns:p="http://schemas.openxmlformats.org/presentationml/2006/main">
+  <p:cSld>
+    <p:spTree>
+      <p:nvGrpSpPr>
+        <p:cNvPr id="1" name=""/>
+        <p:cNvGrpSpPr/>
+        <p:nvPr/>
+      </p:nvGrpSpPr>
+      <p:grpSpPr>
+        <a:xfrm>
+          <a:off x="0" y="0"/>
+          <a:ext cx="0" cy="0"/>
+          <a:chOff x="0" y="0"/>
+          <a:chExt cx="0" cy="0"/>
+        </a:xfrm>
+      </p:grpSpPr>
+      <p:sp>
+        <p:nvSpPr>
+          <p:cNvPr id="2" name="Заголовок 1">
+            <a:extLst>
+              <a:ext uri="{FF2B5EF4-FFF2-40B4-BE49-F238E27FC236}">
+                <a16:creationId xmlns:a16="http://schemas.microsoft.com/office/drawing/2014/main" id="{464CD085-0EA6-4BF0-8005-BCAD103CB396}"/>
+              </a:ext>
+            </a:extLst>
+          </p:cNvPr>
+          <p:cNvSpPr>
+            <a:spLocks noGrp="1"/>
+          </p:cNvSpPr>
+          <p:nvPr>
+            <p:ph type="title"/>
+          </p:nvPr>
+        </p:nvSpPr>
+        <p:spPr/>
+        <p:txBody>
+          <a:bodyPr/>
+          <a:lstStyle/>
+          <a:p>
+            <a:r>
+              <a:rPr lang="en-US" dirty="0"/>
+              <a:t>http://baikapp.herokuapp.com/</a:t>
+            </a:r>
+            <a:endParaRPr lang="ru-RU" dirty="0"/>
+          </a:p>
+        </p:txBody>
+      </p:sp>
+      <p:pic>
+        <p:nvPicPr>
+          <p:cNvPr id="4" name="Объект 3">
+            <a:extLst>
+              <a:ext uri="{FF2B5EF4-FFF2-40B4-BE49-F238E27FC236}">
+                <a16:creationId xmlns:a16="http://schemas.microsoft.com/office/drawing/2014/main" id="{55B214AA-6A5D-4B26-8A6D-B4B67DB76866}"/>
+              </a:ext>
+            </a:extLst>
+          </p:cNvPr>
+          <p:cNvPicPr>
+            <a:picLocks noGrp="1" noChangeAspect="1"/>
+          </p:cNvPicPr>
+          <p:nvPr>
+            <p:ph idx="1"/>
+          </p:nvPr>
+        </p:nvPicPr>
+        <p:blipFill>
+          <a:blip r:embed="rId2"/>
+          <a:stretch>
+            <a:fillRect/>
+          </a:stretch>
+        </p:blipFill>
+        <p:spPr>
+          <a:xfrm>
+            <a:off x="934514" y="1446814"/>
+            <a:ext cx="4874615" cy="4653039"/>
+          </a:xfrm>
+          <a:prstGeom prst="rect">
+            <a:avLst/>
+          </a:prstGeom>
+        </p:spPr>
+      </p:pic>
+    </p:spTree>
+    <p:extLst>
+      <p:ext uri="{BB962C8B-B14F-4D97-AF65-F5344CB8AC3E}">
+        <p14:creationId xmlns:p14="http://schemas.microsoft.com/office/powerpoint/2010/main" val="1495099711"/>
+      </p:ext>
+    </p:extLst>
+  </p:cSld>
+  <p:clrMapOvr>
+    <a:masterClrMapping/>
+  </p:clrMapOvr>
+</p:sld>
+</file>
+
+<file path=ppt/slides/slide8.xml><?xml version="1.0" encoding="utf-8"?>
+<p:sld xmlns:a="http://schemas.openxmlformats.org/drawingml/2006/main" xmlns:r="http://schemas.openxmlformats.org/officeDocument/2006/relationships" xmlns:p="http://schemas.openxmlformats.org/presentationml/2006/main">
+  <p:cSld>
+    <p:spTree>
+      <p:nvGrpSpPr>
+        <p:cNvPr id="1" name=""/>
+        <p:cNvGrpSpPr/>
+        <p:nvPr/>
+      </p:nvGrpSpPr>
+      <p:grpSpPr>
+        <a:xfrm>
+          <a:off x="0" y="0"/>
+          <a:ext cx="0" cy="0"/>
+          <a:chOff x="0" y="0"/>
+          <a:chExt cx="0" cy="0"/>
+        </a:xfrm>
+      </p:grpSpPr>
+      <p:sp>
+        <p:nvSpPr>
           <p:cNvPr id="2" name="Заголовок 1"/>
           <p:cNvSpPr>
             <a:spLocks noGrp="1"/>
@@ -6516,10 +6721,9 @@
           <a:lstStyle/>
           <a:p>
             <a:r>
-              <a:rPr lang="ru-RU" dirty="0" smtClean="0"/>
+              <a:rPr lang="ru-RU" dirty="0"/>
               <a:t>Скриншоты</a:t>
             </a:r>
-            <a:endParaRPr lang="ru-RU" dirty="0"/>
           </a:p>
         </p:txBody>
       </p:sp>
@@ -6539,14 +6743,13 @@
           <a:lstStyle/>
           <a:p>
             <a:r>
-              <a:rPr lang="ru-RU" dirty="0" smtClean="0"/>
+              <a:rPr lang="ru-RU" dirty="0"/>
               <a:t>*тут будут скриншоты сайта, когда мы </a:t>
             </a:r>
             <a:r>
-              <a:rPr lang="ru-RU" smtClean="0"/>
+              <a:rPr lang="ru-RU"/>
               <a:t>его доделаем*</a:t>
             </a:r>
-            <a:endParaRPr lang="ru-RU"/>
           </a:p>
         </p:txBody>
       </p:sp>
